--- a/qgis_sedema_av.pptx
+++ b/qgis_sedema_av.pptx
@@ -7528,41 +7528,25 @@
       </p:grpSp>
       <p:sp>
         <p:nvSpPr>
-          <p:cNvPr id="229" name="Referencias…"/>
+          <p:cNvPr id="229" name="Práctica"/>
           <p:cNvSpPr txBox="1"/>
-          <p:nvPr/>
+          <p:nvPr>
+            <p:ph type="ctrTitle" idx="4294967295"/>
+          </p:nvPr>
         </p:nvSpPr>
         <p:spPr>
           <a:xfrm>
-            <a:off x="504825" y="1002506"/>
-            <a:ext cx="9080500" cy="5867401"/>
+            <a:off x="503237" y="455612"/>
+            <a:ext cx="9070976" cy="1744663"/>
           </a:xfrm>
           <a:prstGeom prst="rect">
             <a:avLst/>
           </a:prstGeom>
-          <a:ln w="12700">
-            <a:miter lim="400000"/>
-          </a:ln>
-          <a:extLst>
-            <a:ext uri="{C572A759-6A51-4108-AA02-DFA0A04FC94B}">
-              <ma14:wrappingTextBoxFlag xmlns:ma14="http://schemas.microsoft.com/office/mac/drawingml/2011/main" val="1"/>
-            </a:ext>
-          </a:extLst>
         </p:spPr>
         <p:txBody>
-          <a:bodyPr lIns="0" tIns="0" rIns="0" bIns="0" anchor="ctr">
-            <a:spAutoFit/>
-          </a:bodyPr>
-          <a:lstStyle/>
-          <a:p>
-            <a:pPr algn="ctr" defTabSz="449262">
-              <a:lnSpc>
-                <a:spcPct val="93000"/>
-              </a:lnSpc>
-              <a:buClr>
-                <a:srgbClr val="000000"/>
-              </a:buClr>
-              <a:buFont typeface="Wingdings"/>
+          <a:bodyPr anchor="ctr"/>
+          <a:lstStyle>
+            <a:lvl1pPr>
               <a:tabLst>
                 <a:tab pos="723900" algn="l"/>
                 <a:tab pos="1447800" algn="l"/>
@@ -7578,31 +7562,44 @@
                 <a:tab pos="8686800" algn="l"/>
                 <a:tab pos="8991600" algn="l"/>
               </a:tabLst>
-              <a:defRPr sz="3200">
-                <a:uFill>
-                  <a:solidFill>
-                    <a:srgbClr val="000000"/>
-                  </a:solidFill>
-                </a:uFill>
-                <a:latin typeface="+mn-lt"/>
-                <a:ea typeface="+mn-ea"/>
-                <a:cs typeface="+mn-cs"/>
-                <a:sym typeface="Arial"/>
+              <a:defRPr>
+                <a:latin typeface="Gill Sans"/>
+                <a:ea typeface="Gill Sans"/>
+                <a:cs typeface="Gill Sans"/>
+                <a:sym typeface="Gill Sans"/>
               </a:defRPr>
-            </a:pPr>
+            </a:lvl1pPr>
+          </a:lstStyle>
+          <a:p>
+            <a:pPr/>
             <a:r>
-              <a:t>Referencias</a:t>
+              <a:t>Práctica</a:t>
             </a:r>
           </a:p>
+        </p:txBody>
+      </p:sp>
+      <p:sp>
+        <p:nvSpPr>
+          <p:cNvPr id="230" name="https://github.com/opengraphix/curso_qgis2017"/>
+          <p:cNvSpPr txBox="1"/>
+          <p:nvPr>
+            <p:ph type="subTitle" idx="4294967295"/>
+          </p:nvPr>
+        </p:nvSpPr>
+        <p:spPr>
+          <a:xfrm>
+            <a:off x="287337" y="3354040"/>
+            <a:ext cx="9642922" cy="3278535"/>
+          </a:xfrm>
+          <a:prstGeom prst="rect">
+            <a:avLst/>
+          </a:prstGeom>
+        </p:spPr>
+        <p:txBody>
+          <a:bodyPr/>
+          <a:lstStyle/>
           <a:p>
-            <a:pPr algn="ctr" defTabSz="449262">
-              <a:lnSpc>
-                <a:spcPct val="93000"/>
-              </a:lnSpc>
-              <a:buClr>
-                <a:srgbClr val="000000"/>
-              </a:buClr>
-              <a:buFont typeface="Wingdings"/>
+            <a:pPr marL="0" indent="0" algn="ctr">
               <a:tabLst>
                 <a:tab pos="723900" algn="l"/>
                 <a:tab pos="1447800" algn="l"/>
@@ -7610,36 +7607,21 @@
                 <a:tab pos="2895600" algn="l"/>
                 <a:tab pos="3619500" algn="l"/>
                 <a:tab pos="4343400" algn="l"/>
-                <a:tab pos="5067300" algn="l"/>
-                <a:tab pos="5791200" algn="l"/>
-                <a:tab pos="6515100" algn="l"/>
-                <a:tab pos="7239000" algn="l"/>
-                <a:tab pos="7962900" algn="l"/>
-                <a:tab pos="8686800" algn="l"/>
-                <a:tab pos="8991600" algn="l"/>
+                <a:tab pos="4495800" algn="l"/>
               </a:tabLst>
-              <a:defRPr sz="3200">
-                <a:uFill>
-                  <a:solidFill>
-                    <a:srgbClr val="000000"/>
-                  </a:solidFill>
-                </a:uFill>
-                <a:latin typeface="+mn-lt"/>
-                <a:ea typeface="+mn-ea"/>
-                <a:cs typeface="+mn-cs"/>
-                <a:sym typeface="Arial"/>
-              </a:defRPr>
             </a:pPr>
+            <a:endParaRPr>
+              <a:latin typeface="Gill Sans"/>
+              <a:ea typeface="Gill Sans"/>
+              <a:cs typeface="Gill Sans"/>
+              <a:sym typeface="Gill Sans"/>
+            </a:endParaRPr>
           </a:p>
           <a:p>
-            <a:pPr defTabSz="449262">
-              <a:lnSpc>
-                <a:spcPct val="107000"/>
-              </a:lnSpc>
-              <a:buClr>
-                <a:srgbClr val="000000"/>
-              </a:buClr>
-              <a:buFont typeface="Arial"/>
+            <a:pPr marL="0" indent="0" algn="ctr">
+              <a:spcBef>
+                <a:spcPts val="1100"/>
+              </a:spcBef>
               <a:tabLst>
                 <a:tab pos="723900" algn="l"/>
                 <a:tab pos="1447800" algn="l"/>
@@ -7647,875 +7629,17 @@
                 <a:tab pos="2895600" algn="l"/>
                 <a:tab pos="3619500" algn="l"/>
                 <a:tab pos="4343400" algn="l"/>
-                <a:tab pos="5067300" algn="l"/>
-                <a:tab pos="5791200" algn="l"/>
-                <a:tab pos="6515100" algn="l"/>
-                <a:tab pos="7239000" algn="l"/>
-                <a:tab pos="7962900" algn="l"/>
-                <a:tab pos="8686800" algn="l"/>
-                <a:tab pos="8991600" algn="l"/>
+                <a:tab pos="4495800" algn="l"/>
               </a:tabLst>
-              <a:defRPr sz="1500">
-                <a:uFill>
-                  <a:solidFill>
-                    <a:srgbClr val="000000"/>
-                  </a:solidFill>
-                </a:uFill>
-                <a:latin typeface="+mn-lt"/>
-                <a:ea typeface="+mn-ea"/>
-                <a:cs typeface="+mn-cs"/>
-                <a:sym typeface="Arial"/>
-              </a:defRPr>
             </a:pPr>
             <a:r>
-              <a:t>Stan Maurice, The DIME Geocoding System, US Departament of Commerce, 1970.</a:t>
-            </a:r>
-          </a:p>
-          <a:p>
-            <a:pPr defTabSz="449262">
-              <a:lnSpc>
-                <a:spcPct val="107000"/>
-              </a:lnSpc>
-              <a:buClr>
-                <a:srgbClr val="000000"/>
-              </a:buClr>
-              <a:buFont typeface="Arial"/>
-              <a:tabLst>
-                <a:tab pos="723900" algn="l"/>
-                <a:tab pos="1447800" algn="l"/>
-                <a:tab pos="2171700" algn="l"/>
-                <a:tab pos="2895600" algn="l"/>
-                <a:tab pos="3619500" algn="l"/>
-                <a:tab pos="4343400" algn="l"/>
-                <a:tab pos="5067300" algn="l"/>
-                <a:tab pos="5791200" algn="l"/>
-                <a:tab pos="6515100" algn="l"/>
-                <a:tab pos="7239000" algn="l"/>
-                <a:tab pos="7962900" algn="l"/>
-                <a:tab pos="8686800" algn="l"/>
-                <a:tab pos="8991600" algn="l"/>
-              </a:tabLst>
-              <a:defRPr sz="1500">
-                <a:uFill>
-                  <a:solidFill>
-                    <a:srgbClr val="000000"/>
-                  </a:solidFill>
-                </a:uFill>
-                <a:latin typeface="+mn-lt"/>
-                <a:ea typeface="+mn-ea"/>
-                <a:cs typeface="+mn-cs"/>
-                <a:sym typeface="Arial"/>
-              </a:defRPr>
-            </a:pPr>
-          </a:p>
-          <a:p>
-            <a:pPr defTabSz="449262">
-              <a:lnSpc>
-                <a:spcPct val="107000"/>
-              </a:lnSpc>
-              <a:buClr>
-                <a:srgbClr val="000000"/>
-              </a:buClr>
-              <a:buFont typeface="Arial"/>
-              <a:tabLst>
-                <a:tab pos="723900" algn="l"/>
-                <a:tab pos="1447800" algn="l"/>
-                <a:tab pos="2171700" algn="l"/>
-                <a:tab pos="2895600" algn="l"/>
-                <a:tab pos="3619500" algn="l"/>
-                <a:tab pos="4343400" algn="l"/>
-                <a:tab pos="5067300" algn="l"/>
-                <a:tab pos="5791200" algn="l"/>
-                <a:tab pos="6515100" algn="l"/>
-                <a:tab pos="7239000" algn="l"/>
-                <a:tab pos="7962900" algn="l"/>
-                <a:tab pos="8686800" algn="l"/>
-                <a:tab pos="8991600" algn="l"/>
-              </a:tabLst>
-              <a:defRPr sz="1500">
-                <a:uFill>
-                  <a:solidFill>
-                    <a:srgbClr val="000000"/>
-                  </a:solidFill>
-                </a:uFill>
-                <a:latin typeface="+mn-lt"/>
-                <a:ea typeface="+mn-ea"/>
-                <a:cs typeface="+mn-cs"/>
-                <a:sym typeface="Arial"/>
-              </a:defRPr>
-            </a:pPr>
-            <a:r>
-              <a:t>Geografía para llevar, http://podespacial.com/</a:t>
-            </a:r>
-          </a:p>
-          <a:p>
-            <a:pPr defTabSz="449262">
-              <a:lnSpc>
-                <a:spcPct val="107000"/>
-              </a:lnSpc>
-              <a:buClr>
-                <a:srgbClr val="000000"/>
-              </a:buClr>
-              <a:buFont typeface="Arial"/>
-              <a:tabLst>
-                <a:tab pos="723900" algn="l"/>
-                <a:tab pos="1447800" algn="l"/>
-                <a:tab pos="2171700" algn="l"/>
-                <a:tab pos="2895600" algn="l"/>
-                <a:tab pos="3619500" algn="l"/>
-                <a:tab pos="4343400" algn="l"/>
-                <a:tab pos="5067300" algn="l"/>
-                <a:tab pos="5791200" algn="l"/>
-                <a:tab pos="6515100" algn="l"/>
-                <a:tab pos="7239000" algn="l"/>
-                <a:tab pos="7962900" algn="l"/>
-                <a:tab pos="8686800" algn="l"/>
-                <a:tab pos="8991600" algn="l"/>
-              </a:tabLst>
-              <a:defRPr sz="1500">
-                <a:uFill>
-                  <a:solidFill>
-                    <a:srgbClr val="000000"/>
-                  </a:solidFill>
-                </a:uFill>
-                <a:latin typeface="+mn-lt"/>
-                <a:ea typeface="+mn-ea"/>
-                <a:cs typeface="+mn-cs"/>
-                <a:sym typeface="Arial"/>
-              </a:defRPr>
-            </a:pPr>
-          </a:p>
-          <a:p>
-            <a:pPr defTabSz="449262">
-              <a:lnSpc>
-                <a:spcPct val="107000"/>
-              </a:lnSpc>
-              <a:buClr>
-                <a:srgbClr val="000000"/>
-              </a:buClr>
-              <a:buFont typeface="Arial"/>
-              <a:tabLst>
-                <a:tab pos="723900" algn="l"/>
-                <a:tab pos="1447800" algn="l"/>
-                <a:tab pos="2171700" algn="l"/>
-                <a:tab pos="2895600" algn="l"/>
-                <a:tab pos="3619500" algn="l"/>
-                <a:tab pos="4343400" algn="l"/>
-                <a:tab pos="5067300" algn="l"/>
-                <a:tab pos="5791200" algn="l"/>
-                <a:tab pos="6515100" algn="l"/>
-                <a:tab pos="7239000" algn="l"/>
-                <a:tab pos="7962900" algn="l"/>
-                <a:tab pos="8686800" algn="l"/>
-                <a:tab pos="8991600" algn="l"/>
-              </a:tabLst>
-              <a:defRPr sz="1500">
-                <a:uFill>
-                  <a:solidFill>
-                    <a:srgbClr val="000000"/>
-                  </a:solidFill>
-                </a:uFill>
-                <a:latin typeface="+mn-lt"/>
-                <a:ea typeface="+mn-ea"/>
-                <a:cs typeface="+mn-cs"/>
-                <a:sym typeface="Arial"/>
-              </a:defRPr>
-            </a:pPr>
-            <a:r>
-              <a:t>OGC, http://www.opengeospatial.org/</a:t>
-            </a:r>
-          </a:p>
-          <a:p>
-            <a:pPr defTabSz="449262">
-              <a:lnSpc>
-                <a:spcPct val="93000"/>
-              </a:lnSpc>
-              <a:buClr>
-                <a:srgbClr val="000000"/>
-              </a:buClr>
-              <a:buFont typeface="Arial"/>
-              <a:tabLst>
-                <a:tab pos="723900" algn="l"/>
-                <a:tab pos="1447800" algn="l"/>
-                <a:tab pos="2171700" algn="l"/>
-                <a:tab pos="2895600" algn="l"/>
-                <a:tab pos="3619500" algn="l"/>
-                <a:tab pos="4343400" algn="l"/>
-                <a:tab pos="5067300" algn="l"/>
-                <a:tab pos="5791200" algn="l"/>
-                <a:tab pos="6515100" algn="l"/>
-                <a:tab pos="7239000" algn="l"/>
-                <a:tab pos="7962900" algn="l"/>
-                <a:tab pos="8686800" algn="l"/>
-                <a:tab pos="8991600" algn="l"/>
-              </a:tabLst>
-              <a:defRPr sz="1500">
-                <a:uFill>
-                  <a:solidFill>
-                    <a:srgbClr val="000000"/>
-                  </a:solidFill>
-                </a:uFill>
-                <a:latin typeface="+mn-lt"/>
-                <a:ea typeface="+mn-ea"/>
-                <a:cs typeface="+mn-cs"/>
-                <a:sym typeface="Arial"/>
-              </a:defRPr>
-            </a:pPr>
-          </a:p>
-          <a:p>
-            <a:pPr defTabSz="449262">
-              <a:lnSpc>
-                <a:spcPct val="93000"/>
-              </a:lnSpc>
-              <a:buClr>
-                <a:srgbClr val="000000"/>
-              </a:buClr>
-              <a:buFont typeface="Arial"/>
-              <a:tabLst>
-                <a:tab pos="723900" algn="l"/>
-                <a:tab pos="1447800" algn="l"/>
-                <a:tab pos="2171700" algn="l"/>
-                <a:tab pos="2895600" algn="l"/>
-                <a:tab pos="3619500" algn="l"/>
-                <a:tab pos="4343400" algn="l"/>
-                <a:tab pos="5067300" algn="l"/>
-                <a:tab pos="5791200" algn="l"/>
-                <a:tab pos="6515100" algn="l"/>
-                <a:tab pos="7239000" algn="l"/>
-                <a:tab pos="7962900" algn="l"/>
-                <a:tab pos="8686800" algn="l"/>
-                <a:tab pos="8991600" algn="l"/>
-              </a:tabLst>
-              <a:defRPr sz="1500">
-                <a:uFill>
-                  <a:solidFill>
-                    <a:srgbClr val="000000"/>
-                  </a:solidFill>
-                </a:uFill>
-                <a:latin typeface="+mn-lt"/>
-                <a:ea typeface="+mn-ea"/>
-                <a:cs typeface="+mn-cs"/>
-                <a:sym typeface="Arial"/>
-              </a:defRPr>
-            </a:pPr>
-            <a:r>
-              <a:t>Instituto de Geografía UNAM, http://igg.unam.mx</a:t>
-            </a:r>
-          </a:p>
-          <a:p>
-            <a:pPr defTabSz="449262">
-              <a:lnSpc>
-                <a:spcPct val="93000"/>
-              </a:lnSpc>
-              <a:buClr>
-                <a:srgbClr val="000000"/>
-              </a:buClr>
-              <a:buFont typeface="Arial"/>
-              <a:tabLst>
-                <a:tab pos="723900" algn="l"/>
-                <a:tab pos="1447800" algn="l"/>
-                <a:tab pos="2171700" algn="l"/>
-                <a:tab pos="2895600" algn="l"/>
-                <a:tab pos="3619500" algn="l"/>
-                <a:tab pos="4343400" algn="l"/>
-                <a:tab pos="5067300" algn="l"/>
-                <a:tab pos="5791200" algn="l"/>
-                <a:tab pos="6515100" algn="l"/>
-                <a:tab pos="7239000" algn="l"/>
-                <a:tab pos="7962900" algn="l"/>
-                <a:tab pos="8686800" algn="l"/>
-                <a:tab pos="8991600" algn="l"/>
-              </a:tabLst>
-              <a:defRPr sz="1500">
-                <a:uFill>
-                  <a:solidFill>
-                    <a:srgbClr val="000000"/>
-                  </a:solidFill>
-                </a:uFill>
-                <a:latin typeface="+mn-lt"/>
-                <a:ea typeface="+mn-ea"/>
-                <a:cs typeface="+mn-cs"/>
-                <a:sym typeface="Arial"/>
-              </a:defRPr>
-            </a:pPr>
-          </a:p>
-          <a:p>
-            <a:pPr defTabSz="449262">
-              <a:lnSpc>
-                <a:spcPct val="93000"/>
-              </a:lnSpc>
-              <a:buClr>
-                <a:srgbClr val="000000"/>
-              </a:buClr>
-              <a:buFont typeface="Arial"/>
-              <a:tabLst>
-                <a:tab pos="723900" algn="l"/>
-                <a:tab pos="1447800" algn="l"/>
-                <a:tab pos="2171700" algn="l"/>
-                <a:tab pos="2895600" algn="l"/>
-                <a:tab pos="3619500" algn="l"/>
-                <a:tab pos="4343400" algn="l"/>
-                <a:tab pos="5067300" algn="l"/>
-                <a:tab pos="5791200" algn="l"/>
-                <a:tab pos="6515100" algn="l"/>
-                <a:tab pos="7239000" algn="l"/>
-                <a:tab pos="7962900" algn="l"/>
-                <a:tab pos="8686800" algn="l"/>
-                <a:tab pos="8991600" algn="l"/>
-              </a:tabLst>
-              <a:defRPr sz="1500">
-                <a:uFill>
-                  <a:solidFill>
-                    <a:srgbClr val="000000"/>
-                  </a:solidFill>
-                </a:uFill>
-                <a:latin typeface="+mn-lt"/>
-                <a:ea typeface="+mn-ea"/>
-                <a:cs typeface="+mn-cs"/>
-                <a:sym typeface="Arial"/>
-              </a:defRPr>
-            </a:pPr>
-            <a:r>
-              <a:t>UNIGEO, http://www.unigeo.igeograf.unam.mx</a:t>
-            </a:r>
-          </a:p>
-          <a:p>
-            <a:pPr defTabSz="449262">
-              <a:lnSpc>
-                <a:spcPct val="93000"/>
-              </a:lnSpc>
-              <a:buClr>
-                <a:srgbClr val="000000"/>
-              </a:buClr>
-              <a:buFont typeface="Arial"/>
-              <a:tabLst>
-                <a:tab pos="723900" algn="l"/>
-                <a:tab pos="1447800" algn="l"/>
-                <a:tab pos="2171700" algn="l"/>
-                <a:tab pos="2895600" algn="l"/>
-                <a:tab pos="3619500" algn="l"/>
-                <a:tab pos="4343400" algn="l"/>
-                <a:tab pos="5067300" algn="l"/>
-                <a:tab pos="5791200" algn="l"/>
-                <a:tab pos="6515100" algn="l"/>
-                <a:tab pos="7239000" algn="l"/>
-                <a:tab pos="7962900" algn="l"/>
-                <a:tab pos="8686800" algn="l"/>
-                <a:tab pos="8991600" algn="l"/>
-              </a:tabLst>
-              <a:defRPr sz="1500">
-                <a:uFill>
-                  <a:solidFill>
-                    <a:srgbClr val="000000"/>
-                  </a:solidFill>
-                </a:uFill>
-                <a:latin typeface="+mn-lt"/>
-                <a:ea typeface="+mn-ea"/>
-                <a:cs typeface="+mn-cs"/>
-                <a:sym typeface="Arial"/>
-              </a:defRPr>
-            </a:pPr>
-          </a:p>
-          <a:p>
-            <a:pPr defTabSz="449262">
-              <a:lnSpc>
-                <a:spcPct val="93000"/>
-              </a:lnSpc>
-              <a:buClr>
-                <a:srgbClr val="000000"/>
-              </a:buClr>
-              <a:buFont typeface="Arial"/>
-              <a:tabLst>
-                <a:tab pos="723900" algn="l"/>
-                <a:tab pos="1447800" algn="l"/>
-                <a:tab pos="2171700" algn="l"/>
-                <a:tab pos="2895600" algn="l"/>
-                <a:tab pos="3619500" algn="l"/>
-                <a:tab pos="4343400" algn="l"/>
-                <a:tab pos="5067300" algn="l"/>
-                <a:tab pos="5791200" algn="l"/>
-                <a:tab pos="6515100" algn="l"/>
-                <a:tab pos="7239000" algn="l"/>
-                <a:tab pos="7962900" algn="l"/>
-                <a:tab pos="8686800" algn="l"/>
-                <a:tab pos="8991600" algn="l"/>
-              </a:tabLst>
-              <a:defRPr sz="1500">
-                <a:uFill>
-                  <a:solidFill>
-                    <a:srgbClr val="000000"/>
-                  </a:solidFill>
-                </a:uFill>
-                <a:latin typeface="+mn-lt"/>
-                <a:ea typeface="+mn-ea"/>
-                <a:cs typeface="+mn-cs"/>
-                <a:sym typeface="Arial"/>
-              </a:defRPr>
-            </a:pPr>
-            <a:r>
-              <a:t>FOSS4GIS, http://www.foss4g.org</a:t>
-            </a:r>
-          </a:p>
-          <a:p>
-            <a:pPr defTabSz="449262">
-              <a:lnSpc>
-                <a:spcPct val="93000"/>
-              </a:lnSpc>
-              <a:buClr>
-                <a:srgbClr val="000000"/>
-              </a:buClr>
-              <a:buFont typeface="Arial"/>
-              <a:tabLst>
-                <a:tab pos="723900" algn="l"/>
-                <a:tab pos="1447800" algn="l"/>
-                <a:tab pos="2171700" algn="l"/>
-                <a:tab pos="2895600" algn="l"/>
-                <a:tab pos="3619500" algn="l"/>
-                <a:tab pos="4343400" algn="l"/>
-                <a:tab pos="5067300" algn="l"/>
-                <a:tab pos="5791200" algn="l"/>
-                <a:tab pos="6515100" algn="l"/>
-                <a:tab pos="7239000" algn="l"/>
-                <a:tab pos="7962900" algn="l"/>
-                <a:tab pos="8686800" algn="l"/>
-                <a:tab pos="8991600" algn="l"/>
-              </a:tabLst>
-              <a:defRPr sz="1500">
-                <a:uFill>
-                  <a:solidFill>
-                    <a:srgbClr val="000000"/>
-                  </a:solidFill>
-                </a:uFill>
-                <a:latin typeface="+mn-lt"/>
-                <a:ea typeface="+mn-ea"/>
-                <a:cs typeface="+mn-cs"/>
-                <a:sym typeface="Arial"/>
-              </a:defRPr>
-            </a:pPr>
-          </a:p>
-          <a:p>
-            <a:pPr defTabSz="449262">
-              <a:lnSpc>
-                <a:spcPct val="93000"/>
-              </a:lnSpc>
-              <a:buClr>
-                <a:srgbClr val="000000"/>
-              </a:buClr>
-              <a:buFont typeface="Arial"/>
-              <a:tabLst>
-                <a:tab pos="723900" algn="l"/>
-                <a:tab pos="1447800" algn="l"/>
-                <a:tab pos="2171700" algn="l"/>
-                <a:tab pos="2895600" algn="l"/>
-                <a:tab pos="3619500" algn="l"/>
-                <a:tab pos="4343400" algn="l"/>
-                <a:tab pos="5067300" algn="l"/>
-                <a:tab pos="5791200" algn="l"/>
-                <a:tab pos="6515100" algn="l"/>
-                <a:tab pos="7239000" algn="l"/>
-                <a:tab pos="7962900" algn="l"/>
-                <a:tab pos="8686800" algn="l"/>
-                <a:tab pos="8991600" algn="l"/>
-              </a:tabLst>
-              <a:defRPr sz="1500">
-                <a:uFill>
-                  <a:solidFill>
-                    <a:srgbClr val="000000"/>
-                  </a:solidFill>
-                </a:uFill>
-                <a:latin typeface="+mn-lt"/>
-                <a:ea typeface="+mn-ea"/>
-                <a:cs typeface="+mn-cs"/>
-                <a:sym typeface="Arial"/>
-              </a:defRPr>
-            </a:pPr>
-            <a:r>
-              <a:t>Osgeo, http://www.osgeo.org</a:t>
-            </a:r>
-          </a:p>
-          <a:p>
-            <a:pPr defTabSz="449262">
-              <a:lnSpc>
-                <a:spcPct val="93000"/>
-              </a:lnSpc>
-              <a:buClr>
-                <a:srgbClr val="000000"/>
-              </a:buClr>
-              <a:buFont typeface="Arial"/>
-              <a:tabLst>
-                <a:tab pos="723900" algn="l"/>
-                <a:tab pos="1447800" algn="l"/>
-                <a:tab pos="2171700" algn="l"/>
-                <a:tab pos="2895600" algn="l"/>
-                <a:tab pos="3619500" algn="l"/>
-                <a:tab pos="4343400" algn="l"/>
-                <a:tab pos="5067300" algn="l"/>
-                <a:tab pos="5791200" algn="l"/>
-                <a:tab pos="6515100" algn="l"/>
-                <a:tab pos="7239000" algn="l"/>
-                <a:tab pos="7962900" algn="l"/>
-                <a:tab pos="8686800" algn="l"/>
-                <a:tab pos="8991600" algn="l"/>
-              </a:tabLst>
-              <a:defRPr sz="1500">
-                <a:uFill>
-                  <a:solidFill>
-                    <a:srgbClr val="000000"/>
-                  </a:solidFill>
-                </a:uFill>
-                <a:latin typeface="+mn-lt"/>
-                <a:ea typeface="+mn-ea"/>
-                <a:cs typeface="+mn-cs"/>
-                <a:sym typeface="Arial"/>
-              </a:defRPr>
-            </a:pPr>
-          </a:p>
-          <a:p>
-            <a:pPr defTabSz="449262">
-              <a:lnSpc>
-                <a:spcPct val="93000"/>
-              </a:lnSpc>
-              <a:buClr>
-                <a:srgbClr val="000000"/>
-              </a:buClr>
-              <a:buFont typeface="Arial"/>
-              <a:tabLst>
-                <a:tab pos="723900" algn="l"/>
-                <a:tab pos="1447800" algn="l"/>
-                <a:tab pos="2171700" algn="l"/>
-                <a:tab pos="2895600" algn="l"/>
-                <a:tab pos="3619500" algn="l"/>
-                <a:tab pos="4343400" algn="l"/>
-                <a:tab pos="5067300" algn="l"/>
-                <a:tab pos="5791200" algn="l"/>
-                <a:tab pos="6515100" algn="l"/>
-                <a:tab pos="7239000" algn="l"/>
-                <a:tab pos="7962900" algn="l"/>
-                <a:tab pos="8686800" algn="l"/>
-                <a:tab pos="8991600" algn="l"/>
-              </a:tabLst>
-              <a:defRPr sz="1500">
-                <a:uFill>
-                  <a:solidFill>
-                    <a:srgbClr val="000000"/>
-                  </a:solidFill>
-                </a:uFill>
-                <a:latin typeface="+mn-lt"/>
-                <a:ea typeface="+mn-ea"/>
-                <a:cs typeface="+mn-cs"/>
-                <a:sym typeface="Arial"/>
-              </a:defRPr>
-            </a:pPr>
-            <a:r>
-              <a:t>Geoserver, http://geoserver.org/display/GEOS/Welcome</a:t>
-            </a:r>
-          </a:p>
-          <a:p>
-            <a:pPr defTabSz="449262">
-              <a:lnSpc>
-                <a:spcPct val="93000"/>
-              </a:lnSpc>
-              <a:buClr>
-                <a:srgbClr val="000000"/>
-              </a:buClr>
-              <a:buFont typeface="Arial"/>
-              <a:tabLst>
-                <a:tab pos="723900" algn="l"/>
-                <a:tab pos="1447800" algn="l"/>
-                <a:tab pos="2171700" algn="l"/>
-                <a:tab pos="2895600" algn="l"/>
-                <a:tab pos="3619500" algn="l"/>
-                <a:tab pos="4343400" algn="l"/>
-                <a:tab pos="5067300" algn="l"/>
-                <a:tab pos="5791200" algn="l"/>
-                <a:tab pos="6515100" algn="l"/>
-                <a:tab pos="7239000" algn="l"/>
-                <a:tab pos="7962900" algn="l"/>
-                <a:tab pos="8686800" algn="l"/>
-                <a:tab pos="8991600" algn="l"/>
-              </a:tabLst>
-              <a:defRPr sz="1500">
-                <a:uFill>
-                  <a:solidFill>
-                    <a:srgbClr val="000000"/>
-                  </a:solidFill>
-                </a:uFill>
-                <a:latin typeface="+mn-lt"/>
-                <a:ea typeface="+mn-ea"/>
-                <a:cs typeface="+mn-cs"/>
-                <a:sym typeface="Arial"/>
-              </a:defRPr>
-            </a:pPr>
-          </a:p>
-          <a:p>
-            <a:pPr defTabSz="449262">
-              <a:lnSpc>
-                <a:spcPct val="93000"/>
-              </a:lnSpc>
-              <a:buClr>
-                <a:srgbClr val="000000"/>
-              </a:buClr>
-              <a:buFont typeface="Arial"/>
-              <a:tabLst>
-                <a:tab pos="723900" algn="l"/>
-                <a:tab pos="1447800" algn="l"/>
-                <a:tab pos="2171700" algn="l"/>
-                <a:tab pos="2895600" algn="l"/>
-                <a:tab pos="3619500" algn="l"/>
-                <a:tab pos="4343400" algn="l"/>
-                <a:tab pos="5067300" algn="l"/>
-                <a:tab pos="5791200" algn="l"/>
-                <a:tab pos="6515100" algn="l"/>
-                <a:tab pos="7239000" algn="l"/>
-                <a:tab pos="7962900" algn="l"/>
-                <a:tab pos="8686800" algn="l"/>
-                <a:tab pos="8991600" algn="l"/>
-              </a:tabLst>
-              <a:defRPr sz="1500">
-                <a:uFill>
-                  <a:solidFill>
-                    <a:srgbClr val="000000"/>
-                  </a:solidFill>
-                </a:uFill>
-                <a:latin typeface="+mn-lt"/>
-                <a:ea typeface="+mn-ea"/>
-                <a:cs typeface="+mn-cs"/>
-                <a:sym typeface="Arial"/>
-              </a:defRPr>
-            </a:pPr>
-            <a:r>
-              <a:t>Openlayers, http://openlayers.org/</a:t>
-            </a:r>
-          </a:p>
-          <a:p>
-            <a:pPr defTabSz="449262">
-              <a:lnSpc>
-                <a:spcPct val="93000"/>
-              </a:lnSpc>
-              <a:buClr>
-                <a:srgbClr val="000000"/>
-              </a:buClr>
-              <a:buFont typeface="Arial"/>
-              <a:tabLst>
-                <a:tab pos="723900" algn="l"/>
-                <a:tab pos="1447800" algn="l"/>
-                <a:tab pos="2171700" algn="l"/>
-                <a:tab pos="2895600" algn="l"/>
-                <a:tab pos="3619500" algn="l"/>
-                <a:tab pos="4343400" algn="l"/>
-                <a:tab pos="5067300" algn="l"/>
-                <a:tab pos="5791200" algn="l"/>
-                <a:tab pos="6515100" algn="l"/>
-                <a:tab pos="7239000" algn="l"/>
-                <a:tab pos="7962900" algn="l"/>
-                <a:tab pos="8686800" algn="l"/>
-                <a:tab pos="8991600" algn="l"/>
-              </a:tabLst>
-              <a:defRPr sz="1500">
-                <a:uFill>
-                  <a:solidFill>
-                    <a:srgbClr val="000000"/>
-                  </a:solidFill>
-                </a:uFill>
-                <a:latin typeface="+mn-lt"/>
-                <a:ea typeface="+mn-ea"/>
-                <a:cs typeface="+mn-cs"/>
-                <a:sym typeface="Arial"/>
-              </a:defRPr>
-            </a:pPr>
-          </a:p>
-          <a:p>
-            <a:pPr defTabSz="449262">
-              <a:lnSpc>
-                <a:spcPct val="93000"/>
-              </a:lnSpc>
-              <a:buClr>
-                <a:srgbClr val="000000"/>
-              </a:buClr>
-              <a:buFont typeface="Arial"/>
-              <a:tabLst>
-                <a:tab pos="723900" algn="l"/>
-                <a:tab pos="1447800" algn="l"/>
-                <a:tab pos="2171700" algn="l"/>
-                <a:tab pos="2895600" algn="l"/>
-                <a:tab pos="3619500" algn="l"/>
-                <a:tab pos="4343400" algn="l"/>
-                <a:tab pos="5067300" algn="l"/>
-                <a:tab pos="5791200" algn="l"/>
-                <a:tab pos="6515100" algn="l"/>
-                <a:tab pos="7239000" algn="l"/>
-                <a:tab pos="7962900" algn="l"/>
-                <a:tab pos="8686800" algn="l"/>
-                <a:tab pos="8991600" algn="l"/>
-              </a:tabLst>
-              <a:defRPr sz="1500">
-                <a:uFill>
-                  <a:solidFill>
-                    <a:srgbClr val="000000"/>
-                  </a:solidFill>
-                </a:uFill>
-                <a:latin typeface="+mn-lt"/>
-                <a:ea typeface="+mn-ea"/>
-                <a:cs typeface="+mn-cs"/>
-                <a:sym typeface="Arial"/>
-              </a:defRPr>
-            </a:pPr>
-            <a:r>
-              <a:t>PostGIS, http://postgis.refractions.net/</a:t>
-            </a:r>
-          </a:p>
-          <a:p>
-            <a:pPr defTabSz="449262">
-              <a:lnSpc>
-                <a:spcPct val="93000"/>
-              </a:lnSpc>
-              <a:buClr>
-                <a:srgbClr val="000000"/>
-              </a:buClr>
-              <a:buFont typeface="Arial"/>
-              <a:tabLst>
-                <a:tab pos="723900" algn="l"/>
-                <a:tab pos="1447800" algn="l"/>
-                <a:tab pos="2171700" algn="l"/>
-                <a:tab pos="2895600" algn="l"/>
-                <a:tab pos="3619500" algn="l"/>
-                <a:tab pos="4343400" algn="l"/>
-                <a:tab pos="5067300" algn="l"/>
-                <a:tab pos="5791200" algn="l"/>
-                <a:tab pos="6515100" algn="l"/>
-                <a:tab pos="7239000" algn="l"/>
-                <a:tab pos="7962900" algn="l"/>
-                <a:tab pos="8686800" algn="l"/>
-                <a:tab pos="8991600" algn="l"/>
-              </a:tabLst>
-              <a:defRPr sz="1500">
-                <a:uFill>
-                  <a:solidFill>
-                    <a:srgbClr val="000000"/>
-                  </a:solidFill>
-                </a:uFill>
-                <a:latin typeface="+mn-lt"/>
-                <a:ea typeface="+mn-ea"/>
-                <a:cs typeface="+mn-cs"/>
-                <a:sym typeface="Arial"/>
-              </a:defRPr>
-            </a:pPr>
-          </a:p>
-          <a:p>
-            <a:pPr defTabSz="449262">
-              <a:lnSpc>
-                <a:spcPct val="93000"/>
-              </a:lnSpc>
-              <a:buClr>
-                <a:srgbClr val="000000"/>
-              </a:buClr>
-              <a:buFont typeface="Arial"/>
-              <a:tabLst>
-                <a:tab pos="723900" algn="l"/>
-                <a:tab pos="1447800" algn="l"/>
-                <a:tab pos="2171700" algn="l"/>
-                <a:tab pos="2895600" algn="l"/>
-                <a:tab pos="3619500" algn="l"/>
-                <a:tab pos="4343400" algn="l"/>
-                <a:tab pos="5067300" algn="l"/>
-                <a:tab pos="5791200" algn="l"/>
-                <a:tab pos="6515100" algn="l"/>
-                <a:tab pos="7239000" algn="l"/>
-                <a:tab pos="7962900" algn="l"/>
-                <a:tab pos="8686800" algn="l"/>
-                <a:tab pos="8991600" algn="l"/>
-              </a:tabLst>
-              <a:defRPr sz="1500">
-                <a:uFill>
-                  <a:solidFill>
-                    <a:srgbClr val="000000"/>
-                  </a:solidFill>
-                </a:uFill>
-                <a:latin typeface="+mn-lt"/>
-                <a:ea typeface="+mn-ea"/>
-                <a:cs typeface="+mn-cs"/>
-                <a:sym typeface="Arial"/>
-              </a:defRPr>
-            </a:pPr>
-            <a:r>
-              <a:t>Infraestructura de datos espaciales de España, http://blog-idee.blogspot.com/search/label/Software%20libre </a:t>
-            </a:r>
-          </a:p>
-          <a:p>
-            <a:pPr defTabSz="449262">
-              <a:lnSpc>
-                <a:spcPct val="93000"/>
-              </a:lnSpc>
-              <a:buClr>
-                <a:srgbClr val="000000"/>
-              </a:buClr>
-              <a:buFont typeface="Arial"/>
-              <a:tabLst>
-                <a:tab pos="723900" algn="l"/>
-                <a:tab pos="1447800" algn="l"/>
-                <a:tab pos="2171700" algn="l"/>
-                <a:tab pos="2895600" algn="l"/>
-                <a:tab pos="3619500" algn="l"/>
-                <a:tab pos="4343400" algn="l"/>
-                <a:tab pos="5067300" algn="l"/>
-                <a:tab pos="5791200" algn="l"/>
-                <a:tab pos="6515100" algn="l"/>
-                <a:tab pos="7239000" algn="l"/>
-                <a:tab pos="7962900" algn="l"/>
-                <a:tab pos="8686800" algn="l"/>
-                <a:tab pos="8991600" algn="l"/>
-              </a:tabLst>
-              <a:defRPr sz="1500">
-                <a:uFill>
-                  <a:solidFill>
-                    <a:srgbClr val="000000"/>
-                  </a:solidFill>
-                </a:uFill>
-                <a:latin typeface="+mn-lt"/>
-                <a:ea typeface="+mn-ea"/>
-                <a:cs typeface="+mn-cs"/>
-                <a:sym typeface="Arial"/>
-              </a:defRPr>
-            </a:pPr>
-          </a:p>
-          <a:p>
-            <a:pPr defTabSz="449262">
-              <a:lnSpc>
-                <a:spcPct val="93000"/>
-              </a:lnSpc>
-              <a:buClr>
-                <a:srgbClr val="000000"/>
-              </a:buClr>
-              <a:buFont typeface="Arial"/>
-              <a:tabLst>
-                <a:tab pos="723900" algn="l"/>
-                <a:tab pos="1447800" algn="l"/>
-                <a:tab pos="2171700" algn="l"/>
-                <a:tab pos="2895600" algn="l"/>
-                <a:tab pos="3619500" algn="l"/>
-                <a:tab pos="4343400" algn="l"/>
-                <a:tab pos="5067300" algn="l"/>
-                <a:tab pos="5791200" algn="l"/>
-                <a:tab pos="6515100" algn="l"/>
-                <a:tab pos="7239000" algn="l"/>
-                <a:tab pos="7962900" algn="l"/>
-                <a:tab pos="8686800" algn="l"/>
-                <a:tab pos="8991600" algn="l"/>
-              </a:tabLst>
-              <a:defRPr sz="1500">
-                <a:uFill>
-                  <a:solidFill>
-                    <a:srgbClr val="000000"/>
-                  </a:solidFill>
-                </a:uFill>
-                <a:latin typeface="+mn-lt"/>
-                <a:ea typeface="+mn-ea"/>
-                <a:cs typeface="+mn-cs"/>
-                <a:sym typeface="Arial"/>
-              </a:defRPr>
-            </a:pPr>
-            <a:r>
-              <a:t>Ocean Biogeographic Information System, http://www.iobis.org/</a:t>
+              <a:rPr>
+                <a:latin typeface="Gill Sans"/>
+                <a:ea typeface="Gill Sans"/>
+                <a:cs typeface="Gill Sans"/>
+                <a:sym typeface="Gill Sans"/>
+              </a:rPr>
+              <a:t>https://github.com/opengraphix/curso_qgis2017</a:t>
             </a:r>
           </a:p>
         </p:txBody>
@@ -8548,7 +7672,7 @@
       </p:grpSpPr>
       <p:grpSp>
         <p:nvGrpSpPr>
-          <p:cNvPr id="234" name="Grupo"/>
+          <p:cNvPr id="235" name="Grupo"/>
           <p:cNvGrpSpPr/>
           <p:nvPr/>
         </p:nvGrpSpPr>
@@ -8562,7 +7686,7 @@
         </p:grpSpPr>
         <p:pic>
           <p:nvPicPr>
-            <p:cNvPr id="231" name="template_foss4g_consol2010.png" descr="template_foss4g_consol2010.png"/>
+            <p:cNvPr id="232" name="template_foss4g_consol2010.png" descr="template_foss4g_consol2010.png"/>
             <p:cNvPicPr>
               <a:picLocks noChangeAspect="1"/>
             </p:cNvPicPr>
@@ -8593,7 +7717,7 @@
         </p:pic>
         <p:pic>
           <p:nvPicPr>
-            <p:cNvPr id="232" name="image.png" descr="image.png"/>
+            <p:cNvPr id="233" name="image.png" descr="image.png"/>
             <p:cNvPicPr>
               <a:picLocks noChangeAspect="1"/>
             </p:cNvPicPr>
@@ -8624,7 +7748,7 @@
         </p:pic>
         <p:pic>
           <p:nvPicPr>
-            <p:cNvPr id="233" name="image.png" descr="image.png"/>
+            <p:cNvPr id="234" name="image.png" descr="image.png"/>
             <p:cNvPicPr>
               <a:picLocks noChangeAspect="1"/>
             </p:cNvPicPr>
@@ -8656,7 +7780,7 @@
       </p:grpSp>
       <p:sp>
         <p:nvSpPr>
-          <p:cNvPr id="235" name="¿Preguntas?"/>
+          <p:cNvPr id="236" name="¿Preguntas?"/>
           <p:cNvSpPr txBox="1"/>
           <p:nvPr>
             <p:ph type="body" idx="1"/>
@@ -8741,7 +7865,7 @@
       </p:grpSpPr>
       <p:grpSp>
         <p:nvGrpSpPr>
-          <p:cNvPr id="240" name="Grupo"/>
+          <p:cNvPr id="241" name="Grupo"/>
           <p:cNvGrpSpPr/>
           <p:nvPr/>
         </p:nvGrpSpPr>
@@ -8755,7 +7879,7 @@
         </p:grpSpPr>
         <p:pic>
           <p:nvPicPr>
-            <p:cNvPr id="237" name="template_foss4g_consol2010.png" descr="template_foss4g_consol2010.png"/>
+            <p:cNvPr id="238" name="template_foss4g_consol2010.png" descr="template_foss4g_consol2010.png"/>
             <p:cNvPicPr>
               <a:picLocks noChangeAspect="1"/>
             </p:cNvPicPr>
@@ -8786,7 +7910,7 @@
         </p:pic>
         <p:pic>
           <p:nvPicPr>
-            <p:cNvPr id="238" name="image.png" descr="image.png"/>
+            <p:cNvPr id="239" name="image.png" descr="image.png"/>
             <p:cNvPicPr>
               <a:picLocks noChangeAspect="1"/>
             </p:cNvPicPr>
@@ -8817,7 +7941,7 @@
         </p:pic>
         <p:pic>
           <p:nvPicPr>
-            <p:cNvPr id="239" name="image.png" descr="image.png"/>
+            <p:cNvPr id="240" name="image.png" descr="image.png"/>
             <p:cNvPicPr>
               <a:picLocks noChangeAspect="1"/>
             </p:cNvPicPr>
@@ -8849,7 +7973,7 @@
       </p:grpSp>
       <p:sp>
         <p:nvSpPr>
-          <p:cNvPr id="241" name="¡ Gracias !"/>
+          <p:cNvPr id="242" name="¡ Gracias !"/>
           <p:cNvSpPr txBox="1"/>
           <p:nvPr>
             <p:ph type="body" idx="1"/>
@@ -8934,7 +8058,7 @@
       </p:grpSpPr>
       <p:grpSp>
         <p:nvGrpSpPr>
-          <p:cNvPr id="246" name="Grupo"/>
+          <p:cNvPr id="247" name="Grupo"/>
           <p:cNvGrpSpPr/>
           <p:nvPr/>
         </p:nvGrpSpPr>
@@ -8948,7 +8072,7 @@
         </p:grpSpPr>
         <p:pic>
           <p:nvPicPr>
-            <p:cNvPr id="243" name="template_foss4g_consol2010.png" descr="template_foss4g_consol2010.png"/>
+            <p:cNvPr id="244" name="template_foss4g_consol2010.png" descr="template_foss4g_consol2010.png"/>
             <p:cNvPicPr>
               <a:picLocks noChangeAspect="1"/>
             </p:cNvPicPr>
@@ -8979,7 +8103,7 @@
         </p:pic>
         <p:pic>
           <p:nvPicPr>
-            <p:cNvPr id="244" name="image.png" descr="image.png"/>
+            <p:cNvPr id="245" name="image.png" descr="image.png"/>
             <p:cNvPicPr>
               <a:picLocks noChangeAspect="1"/>
             </p:cNvPicPr>
@@ -9010,7 +8134,7 @@
         </p:pic>
         <p:pic>
           <p:nvPicPr>
-            <p:cNvPr id="245" name="image.png" descr="image.png"/>
+            <p:cNvPr id="246" name="image.png" descr="image.png"/>
             <p:cNvPicPr>
               <a:picLocks noChangeAspect="1"/>
             </p:cNvPicPr>
@@ -9042,7 +8166,7 @@
       </p:grpSp>
       <p:sp>
         <p:nvSpPr>
-          <p:cNvPr id="247" name="Contacto:…"/>
+          <p:cNvPr id="248" name="Contacto:…"/>
           <p:cNvSpPr txBox="1"/>
           <p:nvPr/>
         </p:nvSpPr>
